--- a/PSD/プレイヤー文字と吹き出し.pptx
+++ b/PSD/プレイヤー文字と吹き出し.pptx
@@ -104,6 +104,11 @@
       </a:defRPr>
     </a:lvl9pPr>
   </p:defaultTextStyle>
+  <p:extLst>
+    <p:ext uri="{EFAFB233-063F-42B5-8137-9DF3F51BA10A}">
+      <p15:sldGuideLst xmlns:p15="http://schemas.microsoft.com/office/powerpoint/2012/main"/>
+    </p:ext>
+  </p:extLst>
 </p:presentation>
 </file>
 
@@ -238,7 +243,7 @@
           <a:p>
             <a:fld id="{65612B5E-D7D1-4D87-BE48-55A02697A233}" type="datetimeFigureOut">
               <a:rPr kumimoji="1" lang="ja-JP" altLang="en-US" smtClean="0"/>
-              <a:t>2022/10/13</a:t>
+              <a:t>2022/10/18</a:t>
             </a:fld>
             <a:endParaRPr kumimoji="1" lang="ja-JP" altLang="en-US"/>
           </a:p>
@@ -440,7 +445,7 @@
           <a:p>
             <a:fld id="{65612B5E-D7D1-4D87-BE48-55A02697A233}" type="datetimeFigureOut">
               <a:rPr kumimoji="1" lang="ja-JP" altLang="en-US" smtClean="0"/>
-              <a:t>2022/10/13</a:t>
+              <a:t>2022/10/18</a:t>
             </a:fld>
             <a:endParaRPr kumimoji="1" lang="ja-JP" altLang="en-US"/>
           </a:p>
@@ -652,7 +657,7 @@
           <a:p>
             <a:fld id="{65612B5E-D7D1-4D87-BE48-55A02697A233}" type="datetimeFigureOut">
               <a:rPr kumimoji="1" lang="ja-JP" altLang="en-US" smtClean="0"/>
-              <a:t>2022/10/13</a:t>
+              <a:t>2022/10/18</a:t>
             </a:fld>
             <a:endParaRPr kumimoji="1" lang="ja-JP" altLang="en-US"/>
           </a:p>
@@ -854,7 +859,7 @@
           <a:p>
             <a:fld id="{65612B5E-D7D1-4D87-BE48-55A02697A233}" type="datetimeFigureOut">
               <a:rPr kumimoji="1" lang="ja-JP" altLang="en-US" smtClean="0"/>
-              <a:t>2022/10/13</a:t>
+              <a:t>2022/10/18</a:t>
             </a:fld>
             <a:endParaRPr kumimoji="1" lang="ja-JP" altLang="en-US"/>
           </a:p>
@@ -1100,7 +1105,7 @@
           <a:p>
             <a:fld id="{65612B5E-D7D1-4D87-BE48-55A02697A233}" type="datetimeFigureOut">
               <a:rPr kumimoji="1" lang="ja-JP" altLang="en-US" smtClean="0"/>
-              <a:t>2022/10/13</a:t>
+              <a:t>2022/10/18</a:t>
             </a:fld>
             <a:endParaRPr kumimoji="1" lang="ja-JP" altLang="en-US"/>
           </a:p>
@@ -1396,7 +1401,7 @@
           <a:p>
             <a:fld id="{65612B5E-D7D1-4D87-BE48-55A02697A233}" type="datetimeFigureOut">
               <a:rPr kumimoji="1" lang="ja-JP" altLang="en-US" smtClean="0"/>
-              <a:t>2022/10/13</a:t>
+              <a:t>2022/10/18</a:t>
             </a:fld>
             <a:endParaRPr kumimoji="1" lang="ja-JP" altLang="en-US"/>
           </a:p>
@@ -1827,7 +1832,7 @@
           <a:p>
             <a:fld id="{65612B5E-D7D1-4D87-BE48-55A02697A233}" type="datetimeFigureOut">
               <a:rPr kumimoji="1" lang="ja-JP" altLang="en-US" smtClean="0"/>
-              <a:t>2022/10/13</a:t>
+              <a:t>2022/10/18</a:t>
             </a:fld>
             <a:endParaRPr kumimoji="1" lang="ja-JP" altLang="en-US"/>
           </a:p>
@@ -1945,7 +1950,7 @@
           <a:p>
             <a:fld id="{65612B5E-D7D1-4D87-BE48-55A02697A233}" type="datetimeFigureOut">
               <a:rPr kumimoji="1" lang="ja-JP" altLang="en-US" smtClean="0"/>
-              <a:t>2022/10/13</a:t>
+              <a:t>2022/10/18</a:t>
             </a:fld>
             <a:endParaRPr kumimoji="1" lang="ja-JP" altLang="en-US"/>
           </a:p>
@@ -2040,7 +2045,7 @@
           <a:p>
             <a:fld id="{65612B5E-D7D1-4D87-BE48-55A02697A233}" type="datetimeFigureOut">
               <a:rPr kumimoji="1" lang="ja-JP" altLang="en-US" smtClean="0"/>
-              <a:t>2022/10/13</a:t>
+              <a:t>2022/10/18</a:t>
             </a:fld>
             <a:endParaRPr kumimoji="1" lang="ja-JP" altLang="en-US"/>
           </a:p>
@@ -2349,7 +2354,7 @@
           <a:p>
             <a:fld id="{65612B5E-D7D1-4D87-BE48-55A02697A233}" type="datetimeFigureOut">
               <a:rPr kumimoji="1" lang="ja-JP" altLang="en-US" smtClean="0"/>
-              <a:t>2022/10/13</a:t>
+              <a:t>2022/10/18</a:t>
             </a:fld>
             <a:endParaRPr kumimoji="1" lang="ja-JP" altLang="en-US"/>
           </a:p>
@@ -2602,7 +2607,7 @@
           <a:p>
             <a:fld id="{65612B5E-D7D1-4D87-BE48-55A02697A233}" type="datetimeFigureOut">
               <a:rPr kumimoji="1" lang="ja-JP" altLang="en-US" smtClean="0"/>
-              <a:t>2022/10/13</a:t>
+              <a:t>2022/10/18</a:t>
             </a:fld>
             <a:endParaRPr kumimoji="1" lang="ja-JP" altLang="en-US"/>
           </a:p>
@@ -2847,7 +2852,7 @@
           <a:p>
             <a:fld id="{65612B5E-D7D1-4D87-BE48-55A02697A233}" type="datetimeFigureOut">
               <a:rPr kumimoji="1" lang="ja-JP" altLang="en-US" smtClean="0"/>
-              <a:t>2022/10/13</a:t>
+              <a:t>2022/10/18</a:t>
             </a:fld>
             <a:endParaRPr kumimoji="1" lang="ja-JP" altLang="en-US"/>
           </a:p>
@@ -3406,7 +3411,7 @@
                   </a:solidFill>
                 </a:ln>
                 <a:solidFill>
-                  <a:srgbClr val="00B0F0"/>
+                  <a:srgbClr val="5BD4FF"/>
                 </a:solidFill>
                 <a:latin typeface="ふんわりラウンド" panose="02000700000000000000" pitchFamily="50" charset="-128"/>
                 <a:ea typeface="ふんわりラウンド" panose="02000700000000000000" pitchFamily="50" charset="-128"/>
@@ -3420,7 +3425,7 @@
                 </a:solidFill>
               </a:ln>
               <a:solidFill>
-                <a:srgbClr val="00B0F0"/>
+                <a:srgbClr val="5BD4FF"/>
               </a:solidFill>
               <a:latin typeface="ふんわりラウンド" panose="02000700000000000000" pitchFamily="50" charset="-128"/>
               <a:ea typeface="ふんわりラウンド" panose="02000700000000000000" pitchFamily="50" charset="-128"/>
@@ -3458,7 +3463,7 @@
                   </a:solidFill>
                 </a:ln>
                 <a:solidFill>
-                  <a:srgbClr val="FF0000"/>
+                  <a:srgbClr val="FF8585"/>
                 </a:solidFill>
                 <a:latin typeface="ふんわりラウンド" panose="02000700000000000000" pitchFamily="50" charset="-128"/>
                 <a:ea typeface="ふんわりラウンド" panose="02000700000000000000" pitchFamily="50" charset="-128"/>
@@ -3472,7 +3477,7 @@
                 </a:solidFill>
               </a:ln>
               <a:solidFill>
-                <a:srgbClr val="FF0000"/>
+                <a:srgbClr val="FF8585"/>
               </a:solidFill>
               <a:latin typeface="ふんわりラウンド" panose="02000700000000000000" pitchFamily="50" charset="-128"/>
               <a:ea typeface="ふんわりラウンド" panose="02000700000000000000" pitchFamily="50" charset="-128"/>
@@ -3572,7 +3577,7 @@
                   </a:solidFill>
                 </a:ln>
                 <a:solidFill>
-                  <a:srgbClr val="00B050"/>
+                  <a:srgbClr val="0DFF7A"/>
                 </a:solidFill>
                 <a:latin typeface="ふんわりラウンド" panose="02000700000000000000" pitchFamily="50" charset="-128"/>
                 <a:ea typeface="ふんわりラウンド" panose="02000700000000000000" pitchFamily="50" charset="-128"/>
@@ -3587,7 +3592,7 @@
                   </a:solidFill>
                 </a:ln>
                 <a:solidFill>
-                  <a:srgbClr val="00B050"/>
+                  <a:srgbClr val="0DFF7A"/>
                 </a:solidFill>
                 <a:latin typeface="ふんわりラウンド" panose="02000700000000000000" pitchFamily="50" charset="-128"/>
                 <a:ea typeface="ふんわりラウンド" panose="02000700000000000000" pitchFamily="50" charset="-128"/>
@@ -3601,7 +3606,7 @@
                 </a:solidFill>
               </a:ln>
               <a:solidFill>
-                <a:srgbClr val="00B050"/>
+                <a:srgbClr val="0DFF7A"/>
               </a:solidFill>
               <a:latin typeface="ふんわりラウンド" panose="02000700000000000000" pitchFamily="50" charset="-128"/>
               <a:ea typeface="ふんわりラウンド" panose="02000700000000000000" pitchFamily="50" charset="-128"/>
@@ -3701,7 +3706,7 @@
                   </a:solidFill>
                 </a:ln>
                 <a:solidFill>
-                  <a:srgbClr val="FFC000"/>
+                  <a:srgbClr val="FFD961"/>
                 </a:solidFill>
                 <a:latin typeface="ふんわりラウンド" panose="02000700000000000000" pitchFamily="50" charset="-128"/>
                 <a:ea typeface="ふんわりラウンド" panose="02000700000000000000" pitchFamily="50" charset="-128"/>
@@ -3716,7 +3721,7 @@
                   </a:solidFill>
                 </a:ln>
                 <a:solidFill>
-                  <a:srgbClr val="FFC000"/>
+                  <a:srgbClr val="FFD961"/>
                 </a:solidFill>
                 <a:latin typeface="ふんわりラウンド" panose="02000700000000000000" pitchFamily="50" charset="-128"/>
                 <a:ea typeface="ふんわりラウンド" panose="02000700000000000000" pitchFamily="50" charset="-128"/>
@@ -3730,7 +3735,7 @@
                 </a:solidFill>
               </a:ln>
               <a:solidFill>
-                <a:srgbClr val="FFC000"/>
+                <a:srgbClr val="FFD961"/>
               </a:solidFill>
               <a:latin typeface="ふんわりラウンド" panose="02000700000000000000" pitchFamily="50" charset="-128"/>
               <a:ea typeface="ふんわりラウンド" panose="02000700000000000000" pitchFamily="50" charset="-128"/>

--- a/PSD/プレイヤー文字と吹き出し.pptx
+++ b/PSD/プレイヤー文字と吹き出し.pptx
@@ -3411,7 +3411,7 @@
                   </a:solidFill>
                 </a:ln>
                 <a:solidFill>
-                  <a:srgbClr val="5BD4FF"/>
+                  <a:srgbClr val="00B0F0"/>
                 </a:solidFill>
                 <a:latin typeface="ふんわりラウンド" panose="02000700000000000000" pitchFamily="50" charset="-128"/>
                 <a:ea typeface="ふんわりラウンド" panose="02000700000000000000" pitchFamily="50" charset="-128"/>
@@ -3425,7 +3425,7 @@
                 </a:solidFill>
               </a:ln>
               <a:solidFill>
-                <a:srgbClr val="5BD4FF"/>
+                <a:srgbClr val="00B0F0"/>
               </a:solidFill>
               <a:latin typeface="ふんわりラウンド" panose="02000700000000000000" pitchFamily="50" charset="-128"/>
               <a:ea typeface="ふんわりラウンド" panose="02000700000000000000" pitchFamily="50" charset="-128"/>
@@ -3463,7 +3463,7 @@
                   </a:solidFill>
                 </a:ln>
                 <a:solidFill>
-                  <a:srgbClr val="FF8585"/>
+                  <a:srgbClr val="FF0000"/>
                 </a:solidFill>
                 <a:latin typeface="ふんわりラウンド" panose="02000700000000000000" pitchFamily="50" charset="-128"/>
                 <a:ea typeface="ふんわりラウンド" panose="02000700000000000000" pitchFamily="50" charset="-128"/>
@@ -3477,7 +3477,7 @@
                 </a:solidFill>
               </a:ln>
               <a:solidFill>
-                <a:srgbClr val="FF8585"/>
+                <a:srgbClr val="FF0000"/>
               </a:solidFill>
               <a:latin typeface="ふんわりラウンド" panose="02000700000000000000" pitchFamily="50" charset="-128"/>
               <a:ea typeface="ふんわりラウンド" panose="02000700000000000000" pitchFamily="50" charset="-128"/>
@@ -3577,7 +3577,7 @@
                   </a:solidFill>
                 </a:ln>
                 <a:solidFill>
-                  <a:srgbClr val="0DFF7A"/>
+                  <a:srgbClr val="00B050"/>
                 </a:solidFill>
                 <a:latin typeface="ふんわりラウンド" panose="02000700000000000000" pitchFamily="50" charset="-128"/>
                 <a:ea typeface="ふんわりラウンド" panose="02000700000000000000" pitchFamily="50" charset="-128"/>
@@ -3592,7 +3592,7 @@
                   </a:solidFill>
                 </a:ln>
                 <a:solidFill>
-                  <a:srgbClr val="0DFF7A"/>
+                  <a:srgbClr val="00B050"/>
                 </a:solidFill>
                 <a:latin typeface="ふんわりラウンド" panose="02000700000000000000" pitchFamily="50" charset="-128"/>
                 <a:ea typeface="ふんわりラウンド" panose="02000700000000000000" pitchFamily="50" charset="-128"/>
@@ -3606,7 +3606,7 @@
                 </a:solidFill>
               </a:ln>
               <a:solidFill>
-                <a:srgbClr val="0DFF7A"/>
+                <a:srgbClr val="00B050"/>
               </a:solidFill>
               <a:latin typeface="ふんわりラウンド" panose="02000700000000000000" pitchFamily="50" charset="-128"/>
               <a:ea typeface="ふんわりラウンド" panose="02000700000000000000" pitchFamily="50" charset="-128"/>
@@ -3706,7 +3706,7 @@
                   </a:solidFill>
                 </a:ln>
                 <a:solidFill>
-                  <a:srgbClr val="FFD961"/>
+                  <a:srgbClr val="FFC000"/>
                 </a:solidFill>
                 <a:latin typeface="ふんわりラウンド" panose="02000700000000000000" pitchFamily="50" charset="-128"/>
                 <a:ea typeface="ふんわりラウンド" panose="02000700000000000000" pitchFamily="50" charset="-128"/>
@@ -3721,7 +3721,7 @@
                   </a:solidFill>
                 </a:ln>
                 <a:solidFill>
-                  <a:srgbClr val="FFD961"/>
+                  <a:srgbClr val="FFC000"/>
                 </a:solidFill>
                 <a:latin typeface="ふんわりラウンド" panose="02000700000000000000" pitchFamily="50" charset="-128"/>
                 <a:ea typeface="ふんわりラウンド" panose="02000700000000000000" pitchFamily="50" charset="-128"/>
@@ -3735,7 +3735,7 @@
                 </a:solidFill>
               </a:ln>
               <a:solidFill>
-                <a:srgbClr val="FFD961"/>
+                <a:srgbClr val="FFC000"/>
               </a:solidFill>
               <a:latin typeface="ふんわりラウンド" panose="02000700000000000000" pitchFamily="50" charset="-128"/>
               <a:ea typeface="ふんわりラウンド" panose="02000700000000000000" pitchFamily="50" charset="-128"/>
